--- a/Presentation.pptx
+++ b/Presentation.pptx
@@ -30,6 +30,8 @@
     <p:sldId id="275" r:id="rId27"/>
     <p:sldId id="276" r:id="rId28"/>
     <p:sldId id="277" r:id="rId29"/>
+    <p:sldId id="278" r:id="rId30"/>
+    <p:sldId id="279" r:id="rId31"/>
   </p:sldIdLst>
   <p:sldSz cx="24384000" cy="13716000"/>
   <p:notesSz cx="6858000" cy="9144000"/>
@@ -6906,37 +6908,8 @@
         </p:blipFill>
         <p:spPr>
           <a:xfrm>
-            <a:off x="2929966" y="413632"/>
-            <a:ext cx="18524068" cy="12888736"/>
-          </a:xfrm>
-          <a:prstGeom prst="rect">
-            <a:avLst/>
-          </a:prstGeom>
-          <a:ln w="12700">
-            <a:miter lim="400000"/>
-          </a:ln>
-        </p:spPr>
-      </p:pic>
-      <p:pic>
-        <p:nvPicPr>
-          <p:cNvPr id="241" name="вставленный-фильм.png" descr="вставленный-фильм.png"/>
-          <p:cNvPicPr>
-            <a:picLocks noChangeAspect="1"/>
-          </p:cNvPicPr>
-          <p:nvPr/>
-        </p:nvPicPr>
-        <p:blipFill>
-          <a:blip r:embed="rId2">
-            <a:extLst/>
-          </a:blip>
-          <a:stretch>
-            <a:fillRect/>
-          </a:stretch>
-        </p:blipFill>
-        <p:spPr>
-          <a:xfrm>
-            <a:off x="3056966" y="540632"/>
-            <a:ext cx="18524068" cy="12888736"/>
+            <a:off x="4614580" y="884384"/>
+            <a:ext cx="16882344" cy="11947232"/>
           </a:xfrm>
           <a:prstGeom prst="rect">
             <a:avLst/>
@@ -6974,7 +6947,146 @@
       </p:grpSpPr>
       <p:pic>
         <p:nvPicPr>
-          <p:cNvPr id="243" name="вставленный-фильм.png" descr="вставленный-фильм.png"/>
+          <p:cNvPr id="242" name="вставленный-фильм.png" descr="вставленный-фильм.png"/>
+          <p:cNvPicPr>
+            <a:picLocks noChangeAspect="1"/>
+          </p:cNvPicPr>
+          <p:nvPr/>
+        </p:nvPicPr>
+        <p:blipFill>
+          <a:blip r:embed="rId2">
+            <a:extLst/>
+          </a:blip>
+          <a:stretch>
+            <a:fillRect/>
+          </a:stretch>
+        </p:blipFill>
+        <p:spPr>
+          <a:xfrm>
+            <a:off x="4130698" y="939803"/>
+            <a:ext cx="16122604" cy="11836394"/>
+          </a:xfrm>
+          <a:prstGeom prst="rect">
+            <a:avLst/>
+          </a:prstGeom>
+          <a:ln w="12700">
+            <a:miter lim="400000"/>
+          </a:ln>
+        </p:spPr>
+      </p:pic>
+    </p:spTree>
+  </p:cSld>
+  <p:clrMapOvr>
+    <a:masterClrMapping/>
+  </p:clrMapOvr>
+  <p:transition xmlns:p14="http://schemas.microsoft.com/office/powerpoint/2010/main" spd="med" advClick="1"/>
+</p:sld>
+</file>
+
+<file path=ppt/slides/slide22.xml><?xml version="1.0" encoding="utf-8"?>
+<p:sld xmlns:a="http://schemas.openxmlformats.org/drawingml/2006/main" xmlns:r="http://schemas.openxmlformats.org/officeDocument/2006/relationships" xmlns:p="http://schemas.openxmlformats.org/presentationml/2006/main" xmlns:m="http://schemas.openxmlformats.org/officeDocument/2006/math" xmlns:a14="http://schemas.microsoft.com/office/drawing/2010/main" showMasterSp="1" showMasterPhAnim="1">
+  <p:cSld>
+    <p:spTree>
+      <p:nvGrpSpPr>
+        <p:cNvPr id="1" name=""/>
+        <p:cNvGrpSpPr/>
+        <p:nvPr/>
+      </p:nvGrpSpPr>
+      <p:grpSpPr>
+        <a:xfrm>
+          <a:off x="0" y="0"/>
+          <a:ext cx="0" cy="0"/>
+          <a:chOff x="0" y="0"/>
+          <a:chExt cx="0" cy="0"/>
+        </a:xfrm>
+      </p:grpSpPr>
+      <p:pic>
+        <p:nvPicPr>
+          <p:cNvPr id="244" name="вставленный-фильм.png" descr="вставленный-фильм.png"/>
+          <p:cNvPicPr>
+            <a:picLocks noChangeAspect="1"/>
+          </p:cNvPicPr>
+          <p:nvPr/>
+        </p:nvPicPr>
+        <p:blipFill>
+          <a:blip r:embed="rId2">
+            <a:extLst/>
+          </a:blip>
+          <a:stretch>
+            <a:fillRect/>
+          </a:stretch>
+        </p:blipFill>
+        <p:spPr>
+          <a:xfrm>
+            <a:off x="2929966" y="413632"/>
+            <a:ext cx="18524068" cy="12888736"/>
+          </a:xfrm>
+          <a:prstGeom prst="rect">
+            <a:avLst/>
+          </a:prstGeom>
+          <a:ln w="12700">
+            <a:miter lim="400000"/>
+          </a:ln>
+        </p:spPr>
+      </p:pic>
+      <p:pic>
+        <p:nvPicPr>
+          <p:cNvPr id="245" name="вставленный-фильм.png" descr="вставленный-фильм.png"/>
+          <p:cNvPicPr>
+            <a:picLocks noChangeAspect="1"/>
+          </p:cNvPicPr>
+          <p:nvPr/>
+        </p:nvPicPr>
+        <p:blipFill>
+          <a:blip r:embed="rId2">
+            <a:extLst/>
+          </a:blip>
+          <a:stretch>
+            <a:fillRect/>
+          </a:stretch>
+        </p:blipFill>
+        <p:spPr>
+          <a:xfrm>
+            <a:off x="3056966" y="540632"/>
+            <a:ext cx="18524068" cy="12888736"/>
+          </a:xfrm>
+          <a:prstGeom prst="rect">
+            <a:avLst/>
+          </a:prstGeom>
+          <a:ln w="12700">
+            <a:miter lim="400000"/>
+          </a:ln>
+        </p:spPr>
+      </p:pic>
+    </p:spTree>
+  </p:cSld>
+  <p:clrMapOvr>
+    <a:masterClrMapping/>
+  </p:clrMapOvr>
+  <p:transition xmlns:p14="http://schemas.microsoft.com/office/powerpoint/2010/main" spd="med" advClick="1"/>
+</p:sld>
+</file>
+
+<file path=ppt/slides/slide23.xml><?xml version="1.0" encoding="utf-8"?>
+<p:sld xmlns:a="http://schemas.openxmlformats.org/drawingml/2006/main" xmlns:r="http://schemas.openxmlformats.org/officeDocument/2006/relationships" xmlns:p="http://schemas.openxmlformats.org/presentationml/2006/main" xmlns:m="http://schemas.openxmlformats.org/officeDocument/2006/math" xmlns:a14="http://schemas.microsoft.com/office/drawing/2010/main" showMasterSp="1" showMasterPhAnim="1">
+  <p:cSld>
+    <p:spTree>
+      <p:nvGrpSpPr>
+        <p:cNvPr id="1" name=""/>
+        <p:cNvGrpSpPr/>
+        <p:nvPr/>
+      </p:nvGrpSpPr>
+      <p:grpSpPr>
+        <a:xfrm>
+          <a:off x="0" y="0"/>
+          <a:ext cx="0" cy="0"/>
+          <a:chOff x="0" y="0"/>
+          <a:chExt cx="0" cy="0"/>
+        </a:xfrm>
+      </p:grpSpPr>
+      <p:pic>
+        <p:nvPicPr>
+          <p:cNvPr id="247" name="вставленный-фильм.png" descr="вставленный-фильм.png"/>
           <p:cNvPicPr>
             <a:picLocks noChangeAspect="1"/>
           </p:cNvPicPr>
@@ -7010,7 +7122,7 @@
 </p:sld>
 </file>
 
-<file path=ppt/slides/slide22.xml><?xml version="1.0" encoding="utf-8"?>
+<file path=ppt/slides/slide24.xml><?xml version="1.0" encoding="utf-8"?>
 <p:sld xmlns:a="http://schemas.openxmlformats.org/drawingml/2006/main" xmlns:r="http://schemas.openxmlformats.org/officeDocument/2006/relationships" xmlns:p="http://schemas.openxmlformats.org/presentationml/2006/main" xmlns:m="http://schemas.openxmlformats.org/officeDocument/2006/math" xmlns:a14="http://schemas.microsoft.com/office/drawing/2010/main" showMasterSp="1" showMasterPhAnim="1">
   <p:cSld>
     <p:spTree>
@@ -7029,7 +7141,7 @@
       </p:grpSpPr>
       <p:sp>
         <p:nvSpPr>
-          <p:cNvPr id="245" name="Breast Cancer:"/>
+          <p:cNvPr id="249" name="Breast Cancer:"/>
           <p:cNvSpPr txBox="1"/>
           <p:nvPr>
             <p:ph type="body" sz="half" idx="1"/>
@@ -7057,7 +7169,7 @@
       </p:sp>
       <p:pic>
         <p:nvPicPr>
-          <p:cNvPr id="246" name="Тарелка пасты папарделле с зелёным маслом из петрушки, жареным фундуком и стружкой сыра пармезан" descr="Тарелка пасты папарделле с зелёным маслом из петрушки, жареным фундуком и стружкой сыра пармезан"/>
+          <p:cNvPr id="250" name="Тарелка пасты папарделле с зелёным маслом из петрушки, жареным фундуком и стружкой сыра пармезан" descr="Тарелка пасты папарделле с зелёным маслом из петрушки, жареным фундуком и стружкой сыра пармезан"/>
           <p:cNvPicPr>
             <a:picLocks noChangeAspect="1"/>
           </p:cNvPicPr>
@@ -7086,7 +7198,7 @@
       </p:pic>
       <p:sp>
         <p:nvSpPr>
-          <p:cNvPr id="247" name="Cancer"/>
+          <p:cNvPr id="251" name="Cancer"/>
           <p:cNvSpPr txBox="1"/>
           <p:nvPr>
             <p:ph type="title"/>
